--- a/GestaoFinancaPessoal/GestaoFinancaPessoal/Documentos/525/Apresentação1.pptx
+++ b/GestaoFinancaPessoal/GestaoFinancaPessoal/Documentos/525/Apresentação1.pptx
@@ -261,7 +261,7 @@
           <a:p>
             <a:fld id="{D4ECCBD4-5D07-471A-A7B0-3D0DBCA9DFCA}" type="datetimeFigureOut">
               <a:rPr lang="pt-BR" smtClean="0"/>
-              <a:t>04/04/2019</a:t>
+              <a:t>06/04/2019</a:t>
             </a:fld>
             <a:endParaRPr lang="pt-BR"/>
           </a:p>
@@ -459,7 +459,7 @@
           <a:p>
             <a:fld id="{D4ECCBD4-5D07-471A-A7B0-3D0DBCA9DFCA}" type="datetimeFigureOut">
               <a:rPr lang="pt-BR" smtClean="0"/>
-              <a:t>04/04/2019</a:t>
+              <a:t>06/04/2019</a:t>
             </a:fld>
             <a:endParaRPr lang="pt-BR"/>
           </a:p>
@@ -667,7 +667,7 @@
           <a:p>
             <a:fld id="{D4ECCBD4-5D07-471A-A7B0-3D0DBCA9DFCA}" type="datetimeFigureOut">
               <a:rPr lang="pt-BR" smtClean="0"/>
-              <a:t>04/04/2019</a:t>
+              <a:t>06/04/2019</a:t>
             </a:fld>
             <a:endParaRPr lang="pt-BR"/>
           </a:p>
@@ -865,7 +865,7 @@
           <a:p>
             <a:fld id="{D4ECCBD4-5D07-471A-A7B0-3D0DBCA9DFCA}" type="datetimeFigureOut">
               <a:rPr lang="pt-BR" smtClean="0"/>
-              <a:t>04/04/2019</a:t>
+              <a:t>06/04/2019</a:t>
             </a:fld>
             <a:endParaRPr lang="pt-BR"/>
           </a:p>
@@ -1140,7 +1140,7 @@
           <a:p>
             <a:fld id="{D4ECCBD4-5D07-471A-A7B0-3D0DBCA9DFCA}" type="datetimeFigureOut">
               <a:rPr lang="pt-BR" smtClean="0"/>
-              <a:t>04/04/2019</a:t>
+              <a:t>06/04/2019</a:t>
             </a:fld>
             <a:endParaRPr lang="pt-BR"/>
           </a:p>
@@ -1405,7 +1405,7 @@
           <a:p>
             <a:fld id="{D4ECCBD4-5D07-471A-A7B0-3D0DBCA9DFCA}" type="datetimeFigureOut">
               <a:rPr lang="pt-BR" smtClean="0"/>
-              <a:t>04/04/2019</a:t>
+              <a:t>06/04/2019</a:t>
             </a:fld>
             <a:endParaRPr lang="pt-BR"/>
           </a:p>
@@ -1817,7 +1817,7 @@
           <a:p>
             <a:fld id="{D4ECCBD4-5D07-471A-A7B0-3D0DBCA9DFCA}" type="datetimeFigureOut">
               <a:rPr lang="pt-BR" smtClean="0"/>
-              <a:t>04/04/2019</a:t>
+              <a:t>06/04/2019</a:t>
             </a:fld>
             <a:endParaRPr lang="pt-BR"/>
           </a:p>
@@ -1958,7 +1958,7 @@
           <a:p>
             <a:fld id="{D4ECCBD4-5D07-471A-A7B0-3D0DBCA9DFCA}" type="datetimeFigureOut">
               <a:rPr lang="pt-BR" smtClean="0"/>
-              <a:t>04/04/2019</a:t>
+              <a:t>06/04/2019</a:t>
             </a:fld>
             <a:endParaRPr lang="pt-BR"/>
           </a:p>
@@ -2071,7 +2071,7 @@
           <a:p>
             <a:fld id="{D4ECCBD4-5D07-471A-A7B0-3D0DBCA9DFCA}" type="datetimeFigureOut">
               <a:rPr lang="pt-BR" smtClean="0"/>
-              <a:t>04/04/2019</a:t>
+              <a:t>06/04/2019</a:t>
             </a:fld>
             <a:endParaRPr lang="pt-BR"/>
           </a:p>
@@ -2382,7 +2382,7 @@
           <a:p>
             <a:fld id="{D4ECCBD4-5D07-471A-A7B0-3D0DBCA9DFCA}" type="datetimeFigureOut">
               <a:rPr lang="pt-BR" smtClean="0"/>
-              <a:t>04/04/2019</a:t>
+              <a:t>06/04/2019</a:t>
             </a:fld>
             <a:endParaRPr lang="pt-BR"/>
           </a:p>
@@ -2670,7 +2670,7 @@
           <a:p>
             <a:fld id="{D4ECCBD4-5D07-471A-A7B0-3D0DBCA9DFCA}" type="datetimeFigureOut">
               <a:rPr lang="pt-BR" smtClean="0"/>
-              <a:t>04/04/2019</a:t>
+              <a:t>06/04/2019</a:t>
             </a:fld>
             <a:endParaRPr lang="pt-BR"/>
           </a:p>
@@ -2911,7 +2911,7 @@
           <a:p>
             <a:fld id="{D4ECCBD4-5D07-471A-A7B0-3D0DBCA9DFCA}" type="datetimeFigureOut">
               <a:rPr lang="pt-BR" smtClean="0"/>
-              <a:t>04/04/2019</a:t>
+              <a:t>06/04/2019</a:t>
             </a:fld>
             <a:endParaRPr lang="pt-BR"/>
           </a:p>
@@ -3343,7 +3343,7 @@
           <p:nvPr>
             <p:extLst>
               <p:ext uri="{D42A27DB-BD31-4B8C-83A1-F6EECF244321}">
-                <p14:modId xmlns:p14="http://schemas.microsoft.com/office/powerpoint/2010/main" val="3817112943"/>
+                <p14:modId xmlns:p14="http://schemas.microsoft.com/office/powerpoint/2010/main" val="3336880996"/>
               </p:ext>
             </p:extLst>
           </p:nvPr>
@@ -5336,7 +5336,7 @@
                           <a:latin typeface="Arial" charset="0"/>
                           <a:cs typeface="Arial" charset="0"/>
                         </a:rPr>
-                        <a:t>RN04. Uma conta não pode ser excluída, apenas desativada.</a:t>
+                        <a:t>RN04. Uma conta não pode ser excluída se possuir lançamento, apenas suspensa.</a:t>
                       </a:r>
                     </a:p>
                   </a:txBody>
@@ -5952,7 +5952,35 @@
                           <a:latin typeface="Arial" charset="0"/>
                           <a:cs typeface="Arial" charset="0"/>
                         </a:rPr>
-                        <a:t>TA.1.5 - Tentar excluir uma conta.</a:t>
+                        <a:t>TA.1.5 - Tentar excluir uma conta com </a:t>
+                      </a:r>
+                      <a:r>
+                        <a:rPr kumimoji="0" lang="pt-BR" altLang="pt-BR" sz="1200" b="1" i="0" u="none" strike="noStrike" cap="none" normalizeH="0" baseline="0" dirty="0" err="1">
+                          <a:ln>
+                            <a:noFill/>
+                          </a:ln>
+                          <a:solidFill>
+                            <a:srgbClr val="FF0000"/>
+                          </a:solidFill>
+                          <a:effectLst/>
+                          <a:latin typeface="Arial" charset="0"/>
+                          <a:cs typeface="Arial" charset="0"/>
+                        </a:rPr>
+                        <a:t>lancamento</a:t>
+                      </a:r>
+                      <a:r>
+                        <a:rPr kumimoji="0" lang="pt-BR" altLang="pt-BR" sz="1200" b="1" i="0" u="none" strike="noStrike" cap="none" normalizeH="0" baseline="0" dirty="0">
+                          <a:ln>
+                            <a:noFill/>
+                          </a:ln>
+                          <a:solidFill>
+                            <a:srgbClr val="FF0000"/>
+                          </a:solidFill>
+                          <a:effectLst/>
+                          <a:latin typeface="Arial" charset="0"/>
+                          <a:cs typeface="Arial" charset="0"/>
+                        </a:rPr>
+                        <a:t>.</a:t>
                       </a:r>
                     </a:p>
                     <a:p>
@@ -6784,14 +6812,14 @@
           <p:nvPr>
             <p:extLst>
               <p:ext uri="{D42A27DB-BD31-4B8C-83A1-F6EECF244321}">
-                <p14:modId xmlns:p14="http://schemas.microsoft.com/office/powerpoint/2010/main" val="1526339514"/>
+                <p14:modId xmlns:p14="http://schemas.microsoft.com/office/powerpoint/2010/main" val="2171509564"/>
               </p:ext>
             </p:extLst>
           </p:nvPr>
         </p:nvGraphicFramePr>
         <p:xfrm>
           <a:off x="2135187" y="227359"/>
-          <a:ext cx="7921625" cy="7239902"/>
+          <a:ext cx="7921625" cy="7685291"/>
         </p:xfrm>
         <a:graphic>
           <a:graphicData uri="http://schemas.openxmlformats.org/drawingml/2006/table">
@@ -8619,7 +8647,7 @@
                           <a:latin typeface="Arial" charset="0"/>
                           <a:cs typeface="Arial" charset="0"/>
                         </a:rPr>
-                        <a:t>RN22. O nome da subcategoria deve ser única dentro da categoria à qual pertence.</a:t>
+                        <a:t>RN22. O nome da subcategoria deve ser única.</a:t>
                       </a:r>
                     </a:p>
                     <a:p>
@@ -8754,7 +8782,7 @@
                           <a:latin typeface="Arial" charset="0"/>
                           <a:cs typeface="Arial" charset="0"/>
                         </a:rPr>
-                        <a:t>RN25. Tanto a categoria como subcategoria, não podem ter as suas hierarquias alteradas.</a:t>
+                        <a:t>RN25. A categoria, não podem ter as suas hierarquias alteradas.</a:t>
                       </a:r>
                     </a:p>
                     <a:p>
@@ -8799,7 +8827,7 @@
                           <a:latin typeface="Arial" charset="0"/>
                           <a:cs typeface="Arial" charset="0"/>
                         </a:rPr>
-                        <a:t>RN26. A categoria já vinculada a um lançamento não pode ser excluída.</a:t>
+                        <a:t>RN26. A categoria já vinculada a um lançamento não pode ser excluída, apenas suspensa.</a:t>
                       </a:r>
                     </a:p>
                   </a:txBody>
@@ -9403,7 +9431,7 @@
                           <a:latin typeface="Arial" charset="0"/>
                           <a:cs typeface="Arial" charset="0"/>
                         </a:rPr>
-                        <a:t>TA2.5 – Tentar mudar a hierarquia de uma categoria ou subcategoria.</a:t>
+                        <a:t>TA2.5 – Tentar mudar a hierarquia de uma categoria.</a:t>
                       </a:r>
                     </a:p>
                     <a:p>
@@ -9540,6 +9568,94 @@
                         </a:rPr>
                         <a:t>TA2.8 – Tentar excluir categoria não vinculada a nenhum lançamento.</a:t>
                       </a:r>
+                    </a:p>
+                    <a:p>
+                      <a:pPr marL="0" marR="0" lvl="0" indent="0" algn="l" defTabSz="449263" rtl="0" eaLnBrk="1" fontAlgn="base" latinLnBrk="0" hangingPunct="1">
+                        <a:lnSpc>
+                          <a:spcPct val="94000"/>
+                        </a:lnSpc>
+                        <a:spcBef>
+                          <a:spcPts val="350"/>
+                        </a:spcBef>
+                        <a:spcAft>
+                          <a:spcPct val="0"/>
+                        </a:spcAft>
+                        <a:buClrTx/>
+                        <a:buSzPct val="70000"/>
+                        <a:buFontTx/>
+                        <a:buNone/>
+                        <a:tabLst>
+                          <a:tab pos="0" algn="l"/>
+                          <a:tab pos="914400" algn="l"/>
+                          <a:tab pos="1828800" algn="l"/>
+                          <a:tab pos="2743200" algn="l"/>
+                          <a:tab pos="3657600" algn="l"/>
+                          <a:tab pos="4572000" algn="l"/>
+                          <a:tab pos="5486400" algn="l"/>
+                          <a:tab pos="6400800" algn="l"/>
+                          <a:tab pos="7315200" algn="l"/>
+                          <a:tab pos="8229600" algn="l"/>
+                          <a:tab pos="9144000" algn="l"/>
+                          <a:tab pos="10058400" algn="l"/>
+                        </a:tabLst>
+                        <a:defRPr/>
+                      </a:pPr>
+                      <a:r>
+                        <a:rPr kumimoji="0" lang="pt-BR" altLang="pt-BR" sz="1200" b="1" i="0" u="none" strike="noStrike" cap="none" normalizeH="0" baseline="0" dirty="0">
+                          <a:ln>
+                            <a:noFill/>
+                          </a:ln>
+                          <a:solidFill>
+                            <a:srgbClr val="00B050"/>
+                          </a:solidFill>
+                          <a:effectLst/>
+                          <a:latin typeface="Arial" charset="0"/>
+                          <a:cs typeface="Arial" charset="0"/>
+                        </a:rPr>
+                        <a:t>TA2.9 – Tentar suspender categoria vinculada a uma subcategoria.</a:t>
+                      </a:r>
+                    </a:p>
+                    <a:p>
+                      <a:pPr marL="0" marR="0" lvl="0" indent="0" algn="l" defTabSz="449263" rtl="0" eaLnBrk="1" fontAlgn="base" latinLnBrk="0" hangingPunct="1">
+                        <a:lnSpc>
+                          <a:spcPct val="94000"/>
+                        </a:lnSpc>
+                        <a:spcBef>
+                          <a:spcPts val="350"/>
+                        </a:spcBef>
+                        <a:spcAft>
+                          <a:spcPct val="0"/>
+                        </a:spcAft>
+                        <a:buClrTx/>
+                        <a:buSzPct val="70000"/>
+                        <a:buFontTx/>
+                        <a:buNone/>
+                        <a:tabLst>
+                          <a:tab pos="0" algn="l"/>
+                          <a:tab pos="914400" algn="l"/>
+                          <a:tab pos="1828800" algn="l"/>
+                          <a:tab pos="2743200" algn="l"/>
+                          <a:tab pos="3657600" algn="l"/>
+                          <a:tab pos="4572000" algn="l"/>
+                          <a:tab pos="5486400" algn="l"/>
+                          <a:tab pos="6400800" algn="l"/>
+                          <a:tab pos="7315200" algn="l"/>
+                          <a:tab pos="8229600" algn="l"/>
+                          <a:tab pos="9144000" algn="l"/>
+                          <a:tab pos="10058400" algn="l"/>
+                        </a:tabLst>
+                      </a:pPr>
+                      <a:endParaRPr kumimoji="0" lang="pt-BR" altLang="pt-BR" sz="1200" b="1" i="0" u="none" strike="noStrike" cap="none" normalizeH="0" baseline="0" dirty="0">
+                        <a:ln>
+                          <a:noFill/>
+                        </a:ln>
+                        <a:solidFill>
+                          <a:srgbClr val="00B050"/>
+                        </a:solidFill>
+                        <a:effectLst/>
+                        <a:latin typeface="Arial" charset="0"/>
+                        <a:cs typeface="Arial" charset="0"/>
+                      </a:endParaRPr>
                     </a:p>
                     <a:p>
                       <a:pPr marL="0" marR="0" lvl="0" indent="0" algn="l" defTabSz="449263" rtl="0" eaLnBrk="1" fontAlgn="base" latinLnBrk="0" hangingPunct="1">

--- a/GestaoFinancaPessoal/GestaoFinancaPessoal/Documentos/525/Apresentação1.pptx
+++ b/GestaoFinancaPessoal/GestaoFinancaPessoal/Documentos/525/Apresentação1.pptx
@@ -261,7 +261,7 @@
           <a:p>
             <a:fld id="{D4ECCBD4-5D07-471A-A7B0-3D0DBCA9DFCA}" type="datetimeFigureOut">
               <a:rPr lang="pt-BR" smtClean="0"/>
-              <a:t>06/04/2019</a:t>
+              <a:t>04/04/2019</a:t>
             </a:fld>
             <a:endParaRPr lang="pt-BR"/>
           </a:p>
@@ -459,7 +459,7 @@
           <a:p>
             <a:fld id="{D4ECCBD4-5D07-471A-A7B0-3D0DBCA9DFCA}" type="datetimeFigureOut">
               <a:rPr lang="pt-BR" smtClean="0"/>
-              <a:t>06/04/2019</a:t>
+              <a:t>04/04/2019</a:t>
             </a:fld>
             <a:endParaRPr lang="pt-BR"/>
           </a:p>
@@ -667,7 +667,7 @@
           <a:p>
             <a:fld id="{D4ECCBD4-5D07-471A-A7B0-3D0DBCA9DFCA}" type="datetimeFigureOut">
               <a:rPr lang="pt-BR" smtClean="0"/>
-              <a:t>06/04/2019</a:t>
+              <a:t>04/04/2019</a:t>
             </a:fld>
             <a:endParaRPr lang="pt-BR"/>
           </a:p>
@@ -865,7 +865,7 @@
           <a:p>
             <a:fld id="{D4ECCBD4-5D07-471A-A7B0-3D0DBCA9DFCA}" type="datetimeFigureOut">
               <a:rPr lang="pt-BR" smtClean="0"/>
-              <a:t>06/04/2019</a:t>
+              <a:t>04/04/2019</a:t>
             </a:fld>
             <a:endParaRPr lang="pt-BR"/>
           </a:p>
@@ -1140,7 +1140,7 @@
           <a:p>
             <a:fld id="{D4ECCBD4-5D07-471A-A7B0-3D0DBCA9DFCA}" type="datetimeFigureOut">
               <a:rPr lang="pt-BR" smtClean="0"/>
-              <a:t>06/04/2019</a:t>
+              <a:t>04/04/2019</a:t>
             </a:fld>
             <a:endParaRPr lang="pt-BR"/>
           </a:p>
@@ -1405,7 +1405,7 @@
           <a:p>
             <a:fld id="{D4ECCBD4-5D07-471A-A7B0-3D0DBCA9DFCA}" type="datetimeFigureOut">
               <a:rPr lang="pt-BR" smtClean="0"/>
-              <a:t>06/04/2019</a:t>
+              <a:t>04/04/2019</a:t>
             </a:fld>
             <a:endParaRPr lang="pt-BR"/>
           </a:p>
@@ -1817,7 +1817,7 @@
           <a:p>
             <a:fld id="{D4ECCBD4-5D07-471A-A7B0-3D0DBCA9DFCA}" type="datetimeFigureOut">
               <a:rPr lang="pt-BR" smtClean="0"/>
-              <a:t>06/04/2019</a:t>
+              <a:t>04/04/2019</a:t>
             </a:fld>
             <a:endParaRPr lang="pt-BR"/>
           </a:p>
@@ -1958,7 +1958,7 @@
           <a:p>
             <a:fld id="{D4ECCBD4-5D07-471A-A7B0-3D0DBCA9DFCA}" type="datetimeFigureOut">
               <a:rPr lang="pt-BR" smtClean="0"/>
-              <a:t>06/04/2019</a:t>
+              <a:t>04/04/2019</a:t>
             </a:fld>
             <a:endParaRPr lang="pt-BR"/>
           </a:p>
@@ -2071,7 +2071,7 @@
           <a:p>
             <a:fld id="{D4ECCBD4-5D07-471A-A7B0-3D0DBCA9DFCA}" type="datetimeFigureOut">
               <a:rPr lang="pt-BR" smtClean="0"/>
-              <a:t>06/04/2019</a:t>
+              <a:t>04/04/2019</a:t>
             </a:fld>
             <a:endParaRPr lang="pt-BR"/>
           </a:p>
@@ -2382,7 +2382,7 @@
           <a:p>
             <a:fld id="{D4ECCBD4-5D07-471A-A7B0-3D0DBCA9DFCA}" type="datetimeFigureOut">
               <a:rPr lang="pt-BR" smtClean="0"/>
-              <a:t>06/04/2019</a:t>
+              <a:t>04/04/2019</a:t>
             </a:fld>
             <a:endParaRPr lang="pt-BR"/>
           </a:p>
@@ -2670,7 +2670,7 @@
           <a:p>
             <a:fld id="{D4ECCBD4-5D07-471A-A7B0-3D0DBCA9DFCA}" type="datetimeFigureOut">
               <a:rPr lang="pt-BR" smtClean="0"/>
-              <a:t>06/04/2019</a:t>
+              <a:t>04/04/2019</a:t>
             </a:fld>
             <a:endParaRPr lang="pt-BR"/>
           </a:p>
@@ -2911,7 +2911,7 @@
           <a:p>
             <a:fld id="{D4ECCBD4-5D07-471A-A7B0-3D0DBCA9DFCA}" type="datetimeFigureOut">
               <a:rPr lang="pt-BR" smtClean="0"/>
-              <a:t>06/04/2019</a:t>
+              <a:t>04/04/2019</a:t>
             </a:fld>
             <a:endParaRPr lang="pt-BR"/>
           </a:p>
@@ -3343,7 +3343,7 @@
           <p:nvPr>
             <p:extLst>
               <p:ext uri="{D42A27DB-BD31-4B8C-83A1-F6EECF244321}">
-                <p14:modId xmlns:p14="http://schemas.microsoft.com/office/powerpoint/2010/main" val="3336880996"/>
+                <p14:modId xmlns:p14="http://schemas.microsoft.com/office/powerpoint/2010/main" val="3817112943"/>
               </p:ext>
             </p:extLst>
           </p:nvPr>
@@ -5336,7 +5336,7 @@
                           <a:latin typeface="Arial" charset="0"/>
                           <a:cs typeface="Arial" charset="0"/>
                         </a:rPr>
-                        <a:t>RN04. Uma conta não pode ser excluída se possuir lançamento, apenas suspensa.</a:t>
+                        <a:t>RN04. Uma conta não pode ser excluída, apenas desativada.</a:t>
                       </a:r>
                     </a:p>
                   </a:txBody>
@@ -5952,35 +5952,7 @@
                           <a:latin typeface="Arial" charset="0"/>
                           <a:cs typeface="Arial" charset="0"/>
                         </a:rPr>
-                        <a:t>TA.1.5 - Tentar excluir uma conta com </a:t>
-                      </a:r>
-                      <a:r>
-                        <a:rPr kumimoji="0" lang="pt-BR" altLang="pt-BR" sz="1200" b="1" i="0" u="none" strike="noStrike" cap="none" normalizeH="0" baseline="0" dirty="0" err="1">
-                          <a:ln>
-                            <a:noFill/>
-                          </a:ln>
-                          <a:solidFill>
-                            <a:srgbClr val="FF0000"/>
-                          </a:solidFill>
-                          <a:effectLst/>
-                          <a:latin typeface="Arial" charset="0"/>
-                          <a:cs typeface="Arial" charset="0"/>
-                        </a:rPr>
-                        <a:t>lancamento</a:t>
-                      </a:r>
-                      <a:r>
-                        <a:rPr kumimoji="0" lang="pt-BR" altLang="pt-BR" sz="1200" b="1" i="0" u="none" strike="noStrike" cap="none" normalizeH="0" baseline="0" dirty="0">
-                          <a:ln>
-                            <a:noFill/>
-                          </a:ln>
-                          <a:solidFill>
-                            <a:srgbClr val="FF0000"/>
-                          </a:solidFill>
-                          <a:effectLst/>
-                          <a:latin typeface="Arial" charset="0"/>
-                          <a:cs typeface="Arial" charset="0"/>
-                        </a:rPr>
-                        <a:t>.</a:t>
+                        <a:t>TA.1.5 - Tentar excluir uma conta.</a:t>
                       </a:r>
                     </a:p>
                     <a:p>
@@ -6812,14 +6784,14 @@
           <p:nvPr>
             <p:extLst>
               <p:ext uri="{D42A27DB-BD31-4B8C-83A1-F6EECF244321}">
-                <p14:modId xmlns:p14="http://schemas.microsoft.com/office/powerpoint/2010/main" val="2171509564"/>
+                <p14:modId xmlns:p14="http://schemas.microsoft.com/office/powerpoint/2010/main" val="1526339514"/>
               </p:ext>
             </p:extLst>
           </p:nvPr>
         </p:nvGraphicFramePr>
         <p:xfrm>
           <a:off x="2135187" y="227359"/>
-          <a:ext cx="7921625" cy="7685291"/>
+          <a:ext cx="7921625" cy="7239902"/>
         </p:xfrm>
         <a:graphic>
           <a:graphicData uri="http://schemas.openxmlformats.org/drawingml/2006/table">
@@ -8647,7 +8619,7 @@
                           <a:latin typeface="Arial" charset="0"/>
                           <a:cs typeface="Arial" charset="0"/>
                         </a:rPr>
-                        <a:t>RN22. O nome da subcategoria deve ser única.</a:t>
+                        <a:t>RN22. O nome da subcategoria deve ser única dentro da categoria à qual pertence.</a:t>
                       </a:r>
                     </a:p>
                     <a:p>
@@ -8782,7 +8754,7 @@
                           <a:latin typeface="Arial" charset="0"/>
                           <a:cs typeface="Arial" charset="0"/>
                         </a:rPr>
-                        <a:t>RN25. A categoria, não podem ter as suas hierarquias alteradas.</a:t>
+                        <a:t>RN25. Tanto a categoria como subcategoria, não podem ter as suas hierarquias alteradas.</a:t>
                       </a:r>
                     </a:p>
                     <a:p>
@@ -8827,7 +8799,7 @@
                           <a:latin typeface="Arial" charset="0"/>
                           <a:cs typeface="Arial" charset="0"/>
                         </a:rPr>
-                        <a:t>RN26. A categoria já vinculada a um lançamento não pode ser excluída, apenas suspensa.</a:t>
+                        <a:t>RN26. A categoria já vinculada a um lançamento não pode ser excluída.</a:t>
                       </a:r>
                     </a:p>
                   </a:txBody>
@@ -9431,7 +9403,7 @@
                           <a:latin typeface="Arial" charset="0"/>
                           <a:cs typeface="Arial" charset="0"/>
                         </a:rPr>
-                        <a:t>TA2.5 – Tentar mudar a hierarquia de uma categoria.</a:t>
+                        <a:t>TA2.5 – Tentar mudar a hierarquia de uma categoria ou subcategoria.</a:t>
                       </a:r>
                     </a:p>
                     <a:p>
@@ -9568,94 +9540,6 @@
                         </a:rPr>
                         <a:t>TA2.8 – Tentar excluir categoria não vinculada a nenhum lançamento.</a:t>
                       </a:r>
-                    </a:p>
-                    <a:p>
-                      <a:pPr marL="0" marR="0" lvl="0" indent="0" algn="l" defTabSz="449263" rtl="0" eaLnBrk="1" fontAlgn="base" latinLnBrk="0" hangingPunct="1">
-                        <a:lnSpc>
-                          <a:spcPct val="94000"/>
-                        </a:lnSpc>
-                        <a:spcBef>
-                          <a:spcPts val="350"/>
-                        </a:spcBef>
-                        <a:spcAft>
-                          <a:spcPct val="0"/>
-                        </a:spcAft>
-                        <a:buClrTx/>
-                        <a:buSzPct val="70000"/>
-                        <a:buFontTx/>
-                        <a:buNone/>
-                        <a:tabLst>
-                          <a:tab pos="0" algn="l"/>
-                          <a:tab pos="914400" algn="l"/>
-                          <a:tab pos="1828800" algn="l"/>
-                          <a:tab pos="2743200" algn="l"/>
-                          <a:tab pos="3657600" algn="l"/>
-                          <a:tab pos="4572000" algn="l"/>
-                          <a:tab pos="5486400" algn="l"/>
-                          <a:tab pos="6400800" algn="l"/>
-                          <a:tab pos="7315200" algn="l"/>
-                          <a:tab pos="8229600" algn="l"/>
-                          <a:tab pos="9144000" algn="l"/>
-                          <a:tab pos="10058400" algn="l"/>
-                        </a:tabLst>
-                        <a:defRPr/>
-                      </a:pPr>
-                      <a:r>
-                        <a:rPr kumimoji="0" lang="pt-BR" altLang="pt-BR" sz="1200" b="1" i="0" u="none" strike="noStrike" cap="none" normalizeH="0" baseline="0" dirty="0">
-                          <a:ln>
-                            <a:noFill/>
-                          </a:ln>
-                          <a:solidFill>
-                            <a:srgbClr val="00B050"/>
-                          </a:solidFill>
-                          <a:effectLst/>
-                          <a:latin typeface="Arial" charset="0"/>
-                          <a:cs typeface="Arial" charset="0"/>
-                        </a:rPr>
-                        <a:t>TA2.9 – Tentar suspender categoria vinculada a uma subcategoria.</a:t>
-                      </a:r>
-                    </a:p>
-                    <a:p>
-                      <a:pPr marL="0" marR="0" lvl="0" indent="0" algn="l" defTabSz="449263" rtl="0" eaLnBrk="1" fontAlgn="base" latinLnBrk="0" hangingPunct="1">
-                        <a:lnSpc>
-                          <a:spcPct val="94000"/>
-                        </a:lnSpc>
-                        <a:spcBef>
-                          <a:spcPts val="350"/>
-                        </a:spcBef>
-                        <a:spcAft>
-                          <a:spcPct val="0"/>
-                        </a:spcAft>
-                        <a:buClrTx/>
-                        <a:buSzPct val="70000"/>
-                        <a:buFontTx/>
-                        <a:buNone/>
-                        <a:tabLst>
-                          <a:tab pos="0" algn="l"/>
-                          <a:tab pos="914400" algn="l"/>
-                          <a:tab pos="1828800" algn="l"/>
-                          <a:tab pos="2743200" algn="l"/>
-                          <a:tab pos="3657600" algn="l"/>
-                          <a:tab pos="4572000" algn="l"/>
-                          <a:tab pos="5486400" algn="l"/>
-                          <a:tab pos="6400800" algn="l"/>
-                          <a:tab pos="7315200" algn="l"/>
-                          <a:tab pos="8229600" algn="l"/>
-                          <a:tab pos="9144000" algn="l"/>
-                          <a:tab pos="10058400" algn="l"/>
-                        </a:tabLst>
-                      </a:pPr>
-                      <a:endParaRPr kumimoji="0" lang="pt-BR" altLang="pt-BR" sz="1200" b="1" i="0" u="none" strike="noStrike" cap="none" normalizeH="0" baseline="0" dirty="0">
-                        <a:ln>
-                          <a:noFill/>
-                        </a:ln>
-                        <a:solidFill>
-                          <a:srgbClr val="00B050"/>
-                        </a:solidFill>
-                        <a:effectLst/>
-                        <a:latin typeface="Arial" charset="0"/>
-                        <a:cs typeface="Arial" charset="0"/>
-                      </a:endParaRPr>
                     </a:p>
                     <a:p>
                       <a:pPr marL="0" marR="0" lvl="0" indent="0" algn="l" defTabSz="449263" rtl="0" eaLnBrk="1" fontAlgn="base" latinLnBrk="0" hangingPunct="1">

--- a/GestaoFinancaPessoal/GestaoFinancaPessoal/Documentos/525/Apresentação1.pptx
+++ b/GestaoFinancaPessoal/GestaoFinancaPessoal/Documentos/525/Apresentação1.pptx
@@ -261,7 +261,7 @@
           <a:p>
             <a:fld id="{D4ECCBD4-5D07-471A-A7B0-3D0DBCA9DFCA}" type="datetimeFigureOut">
               <a:rPr lang="pt-BR" smtClean="0"/>
-              <a:t>04/04/2019</a:t>
+              <a:t>08/04/2019</a:t>
             </a:fld>
             <a:endParaRPr lang="pt-BR"/>
           </a:p>
@@ -459,7 +459,7 @@
           <a:p>
             <a:fld id="{D4ECCBD4-5D07-471A-A7B0-3D0DBCA9DFCA}" type="datetimeFigureOut">
               <a:rPr lang="pt-BR" smtClean="0"/>
-              <a:t>04/04/2019</a:t>
+              <a:t>08/04/2019</a:t>
             </a:fld>
             <a:endParaRPr lang="pt-BR"/>
           </a:p>
@@ -667,7 +667,7 @@
           <a:p>
             <a:fld id="{D4ECCBD4-5D07-471A-A7B0-3D0DBCA9DFCA}" type="datetimeFigureOut">
               <a:rPr lang="pt-BR" smtClean="0"/>
-              <a:t>04/04/2019</a:t>
+              <a:t>08/04/2019</a:t>
             </a:fld>
             <a:endParaRPr lang="pt-BR"/>
           </a:p>
@@ -865,7 +865,7 @@
           <a:p>
             <a:fld id="{D4ECCBD4-5D07-471A-A7B0-3D0DBCA9DFCA}" type="datetimeFigureOut">
               <a:rPr lang="pt-BR" smtClean="0"/>
-              <a:t>04/04/2019</a:t>
+              <a:t>08/04/2019</a:t>
             </a:fld>
             <a:endParaRPr lang="pt-BR"/>
           </a:p>
@@ -1140,7 +1140,7 @@
           <a:p>
             <a:fld id="{D4ECCBD4-5D07-471A-A7B0-3D0DBCA9DFCA}" type="datetimeFigureOut">
               <a:rPr lang="pt-BR" smtClean="0"/>
-              <a:t>04/04/2019</a:t>
+              <a:t>08/04/2019</a:t>
             </a:fld>
             <a:endParaRPr lang="pt-BR"/>
           </a:p>
@@ -1405,7 +1405,7 @@
           <a:p>
             <a:fld id="{D4ECCBD4-5D07-471A-A7B0-3D0DBCA9DFCA}" type="datetimeFigureOut">
               <a:rPr lang="pt-BR" smtClean="0"/>
-              <a:t>04/04/2019</a:t>
+              <a:t>08/04/2019</a:t>
             </a:fld>
             <a:endParaRPr lang="pt-BR"/>
           </a:p>
@@ -1817,7 +1817,7 @@
           <a:p>
             <a:fld id="{D4ECCBD4-5D07-471A-A7B0-3D0DBCA9DFCA}" type="datetimeFigureOut">
               <a:rPr lang="pt-BR" smtClean="0"/>
-              <a:t>04/04/2019</a:t>
+              <a:t>08/04/2019</a:t>
             </a:fld>
             <a:endParaRPr lang="pt-BR"/>
           </a:p>
@@ -1958,7 +1958,7 @@
           <a:p>
             <a:fld id="{D4ECCBD4-5D07-471A-A7B0-3D0DBCA9DFCA}" type="datetimeFigureOut">
               <a:rPr lang="pt-BR" smtClean="0"/>
-              <a:t>04/04/2019</a:t>
+              <a:t>08/04/2019</a:t>
             </a:fld>
             <a:endParaRPr lang="pt-BR"/>
           </a:p>
@@ -2071,7 +2071,7 @@
           <a:p>
             <a:fld id="{D4ECCBD4-5D07-471A-A7B0-3D0DBCA9DFCA}" type="datetimeFigureOut">
               <a:rPr lang="pt-BR" smtClean="0"/>
-              <a:t>04/04/2019</a:t>
+              <a:t>08/04/2019</a:t>
             </a:fld>
             <a:endParaRPr lang="pt-BR"/>
           </a:p>
@@ -2382,7 +2382,7 @@
           <a:p>
             <a:fld id="{D4ECCBD4-5D07-471A-A7B0-3D0DBCA9DFCA}" type="datetimeFigureOut">
               <a:rPr lang="pt-BR" smtClean="0"/>
-              <a:t>04/04/2019</a:t>
+              <a:t>08/04/2019</a:t>
             </a:fld>
             <a:endParaRPr lang="pt-BR"/>
           </a:p>
@@ -2670,7 +2670,7 @@
           <a:p>
             <a:fld id="{D4ECCBD4-5D07-471A-A7B0-3D0DBCA9DFCA}" type="datetimeFigureOut">
               <a:rPr lang="pt-BR" smtClean="0"/>
-              <a:t>04/04/2019</a:t>
+              <a:t>08/04/2019</a:t>
             </a:fld>
             <a:endParaRPr lang="pt-BR"/>
           </a:p>
@@ -2911,7 +2911,7 @@
           <a:p>
             <a:fld id="{D4ECCBD4-5D07-471A-A7B0-3D0DBCA9DFCA}" type="datetimeFigureOut">
               <a:rPr lang="pt-BR" smtClean="0"/>
-              <a:t>04/04/2019</a:t>
+              <a:t>08/04/2019</a:t>
             </a:fld>
             <a:endParaRPr lang="pt-BR"/>
           </a:p>
@@ -3343,7 +3343,7 @@
           <p:nvPr>
             <p:extLst>
               <p:ext uri="{D42A27DB-BD31-4B8C-83A1-F6EECF244321}">
-                <p14:modId xmlns:p14="http://schemas.microsoft.com/office/powerpoint/2010/main" val="3817112943"/>
+                <p14:modId xmlns:p14="http://schemas.microsoft.com/office/powerpoint/2010/main" val="1931449528"/>
               </p:ext>
             </p:extLst>
           </p:nvPr>
@@ -5336,7 +5336,7 @@
                           <a:latin typeface="Arial" charset="0"/>
                           <a:cs typeface="Arial" charset="0"/>
                         </a:rPr>
-                        <a:t>RN04. Uma conta não pode ser excluída, apenas desativada.</a:t>
+                        <a:t>RN04. Uma conta não pode ser excluída quando, apenas desativada.</a:t>
                       </a:r>
                     </a:p>
                   </a:txBody>
@@ -6784,14 +6784,14 @@
           <p:nvPr>
             <p:extLst>
               <p:ext uri="{D42A27DB-BD31-4B8C-83A1-F6EECF244321}">
-                <p14:modId xmlns:p14="http://schemas.microsoft.com/office/powerpoint/2010/main" val="1526339514"/>
+                <p14:modId xmlns:p14="http://schemas.microsoft.com/office/powerpoint/2010/main" val="1767102671"/>
               </p:ext>
             </p:extLst>
           </p:nvPr>
         </p:nvGraphicFramePr>
         <p:xfrm>
           <a:off x="2135187" y="227359"/>
-          <a:ext cx="7921625" cy="7239902"/>
+          <a:ext cx="7921625" cy="7017207"/>
         </p:xfrm>
         <a:graphic>
           <a:graphicData uri="http://schemas.openxmlformats.org/drawingml/2006/table">
@@ -8754,52 +8754,7 @@
                           <a:latin typeface="Arial" charset="0"/>
                           <a:cs typeface="Arial" charset="0"/>
                         </a:rPr>
-                        <a:t>RN25. Tanto a categoria como subcategoria, não podem ter as suas hierarquias alteradas.</a:t>
-                      </a:r>
-                    </a:p>
-                    <a:p>
-                      <a:pPr marL="0" marR="0" lvl="0" indent="0" algn="l" defTabSz="449263" rtl="0" eaLnBrk="1" fontAlgn="base" latinLnBrk="0" hangingPunct="1">
-                        <a:lnSpc>
-                          <a:spcPct val="94000"/>
-                        </a:lnSpc>
-                        <a:spcBef>
-                          <a:spcPts val="350"/>
-                        </a:spcBef>
-                        <a:spcAft>
-                          <a:spcPct val="0"/>
-                        </a:spcAft>
-                        <a:buClrTx/>
-                        <a:buSzPct val="70000"/>
-                        <a:buFontTx/>
-                        <a:buNone/>
-                        <a:tabLst>
-                          <a:tab pos="0" algn="l"/>
-                          <a:tab pos="914400" algn="l"/>
-                          <a:tab pos="1828800" algn="l"/>
-                          <a:tab pos="2743200" algn="l"/>
-                          <a:tab pos="3657600" algn="l"/>
-                          <a:tab pos="4572000" algn="l"/>
-                          <a:tab pos="5486400" algn="l"/>
-                          <a:tab pos="6400800" algn="l"/>
-                          <a:tab pos="7315200" algn="l"/>
-                          <a:tab pos="8229600" algn="l"/>
-                          <a:tab pos="9144000" algn="l"/>
-                          <a:tab pos="10058400" algn="l"/>
-                        </a:tabLst>
-                      </a:pPr>
-                      <a:r>
-                        <a:rPr kumimoji="0" lang="pt-BR" altLang="pt-BR" sz="1200" b="1" i="0" u="none" strike="noStrike" cap="none" normalizeH="0" baseline="0" dirty="0">
-                          <a:ln>
-                            <a:noFill/>
-                          </a:ln>
-                          <a:solidFill>
-                            <a:srgbClr val="123452"/>
-                          </a:solidFill>
-                          <a:effectLst/>
-                          <a:latin typeface="Arial" charset="0"/>
-                          <a:cs typeface="Arial" charset="0"/>
-                        </a:rPr>
-                        <a:t>RN26. A categoria já vinculada a um lançamento não pode ser excluída.</a:t>
+                        <a:t>RN26. A subcategoria já vinculada a um lançamento não pode ser excluída.</a:t>
                       </a:r>
                     </a:p>
                   </a:txBody>
